--- a/Description/MES - UI 구성.pptx
+++ b/Description/MES - UI 구성.pptx
@@ -265,7 +265,7 @@
                 </a:solidFill>
               </a:rPr>
               <a:pPr/>
-              <a:t>2021-09-26</a:t>
+              <a:t>2021-09-27</a:t>
             </a:fld>
             <a:endParaRPr lang="ko-KR" altLang="en-US">
               <a:solidFill>
@@ -465,7 +465,7 @@
                 </a:solidFill>
               </a:rPr>
               <a:pPr/>
-              <a:t>2021-09-26</a:t>
+              <a:t>2021-09-27</a:t>
             </a:fld>
             <a:endParaRPr lang="ko-KR" altLang="en-US">
               <a:solidFill>
@@ -675,7 +675,7 @@
                 </a:solidFill>
               </a:rPr>
               <a:pPr/>
-              <a:t>2021-09-26</a:t>
+              <a:t>2021-09-27</a:t>
             </a:fld>
             <a:endParaRPr lang="ko-KR" altLang="en-US">
               <a:solidFill>
@@ -875,7 +875,7 @@
                 </a:solidFill>
               </a:rPr>
               <a:pPr/>
-              <a:t>2021-09-26</a:t>
+              <a:t>2021-09-27</a:t>
             </a:fld>
             <a:endParaRPr lang="ko-KR" altLang="en-US">
               <a:solidFill>
@@ -1152,7 +1152,7 @@
                 </a:solidFill>
               </a:rPr>
               <a:pPr/>
-              <a:t>2021-09-26</a:t>
+              <a:t>2021-09-27</a:t>
             </a:fld>
             <a:endParaRPr lang="ko-KR" altLang="en-US">
               <a:solidFill>
@@ -1413,7 +1413,7 @@
                 </a:solidFill>
               </a:rPr>
               <a:pPr/>
-              <a:t>2021-09-26</a:t>
+              <a:t>2021-09-27</a:t>
             </a:fld>
             <a:endParaRPr lang="ko-KR" altLang="en-US">
               <a:solidFill>
@@ -1809,7 +1809,7 @@
                 </a:solidFill>
               </a:rPr>
               <a:pPr/>
-              <a:t>2021-09-26</a:t>
+              <a:t>2021-09-27</a:t>
             </a:fld>
             <a:endParaRPr lang="ko-KR" altLang="en-US">
               <a:solidFill>
@@ -1958,7 +1958,7 @@
                 </a:solidFill>
               </a:rPr>
               <a:pPr/>
-              <a:t>2021-09-26</a:t>
+              <a:t>2021-09-27</a:t>
             </a:fld>
             <a:endParaRPr lang="ko-KR" altLang="en-US">
               <a:solidFill>
@@ -2085,7 +2085,7 @@
                 </a:solidFill>
               </a:rPr>
               <a:pPr/>
-              <a:t>2021-09-26</a:t>
+              <a:t>2021-09-27</a:t>
             </a:fld>
             <a:endParaRPr lang="ko-KR" altLang="en-US">
               <a:solidFill>
@@ -2392,7 +2392,7 @@
                 </a:solidFill>
               </a:rPr>
               <a:pPr/>
-              <a:t>2021-09-26</a:t>
+              <a:t>2021-09-27</a:t>
             </a:fld>
             <a:endParaRPr lang="ko-KR" altLang="en-US">
               <a:solidFill>
@@ -2676,7 +2676,7 @@
                 </a:solidFill>
               </a:rPr>
               <a:pPr/>
-              <a:t>2021-09-26</a:t>
+              <a:t>2021-09-27</a:t>
             </a:fld>
             <a:endParaRPr lang="ko-KR" altLang="en-US">
               <a:solidFill>
@@ -2919,7 +2919,7 @@
                 </a:solidFill>
               </a:rPr>
               <a:pPr/>
-              <a:t>2021-09-26</a:t>
+              <a:t>2021-09-27</a:t>
             </a:fld>
             <a:endParaRPr lang="ko-KR" altLang="en-US">
               <a:solidFill>
@@ -19129,7 +19129,7 @@
           <p:nvPr>
             <p:extLst>
               <p:ext uri="{D42A27DB-BD31-4B8C-83A1-F6EECF244321}">
-                <p14:modId xmlns:p14="http://schemas.microsoft.com/office/powerpoint/2010/main" val="3382029690"/>
+                <p14:modId xmlns:p14="http://schemas.microsoft.com/office/powerpoint/2010/main" val="760585180"/>
               </p:ext>
             </p:extLst>
           </p:nvPr>
@@ -19393,7 +19393,7 @@
                   <a:schemeClr val="tx1"/>
                 </a:solidFill>
               </a:rPr>
-              <a:t>equip_cd</a:t>
+              <a:t>equip_id</a:t>
             </a:r>
             <a:endParaRPr lang="ko-KR" altLang="en-US" sz="1400" dirty="0">
               <a:solidFill>
@@ -19806,7 +19806,7 @@
                   <a:schemeClr val="tx1"/>
                 </a:solidFill>
               </a:rPr>
-              <a:t>equip_cd</a:t>
+              <a:t>equip_id</a:t>
             </a:r>
             <a:endParaRPr lang="ko-KR" altLang="en-US" sz="1400" dirty="0">
               <a:solidFill>
@@ -20216,7 +20216,7 @@
                   <a:schemeClr val="tx1"/>
                 </a:solidFill>
               </a:rPr>
-              <a:t>equip_cd</a:t>
+              <a:t>equip_id</a:t>
             </a:r>
             <a:endParaRPr lang="ko-KR" altLang="en-US" sz="1400" dirty="0">
               <a:solidFill>
